--- a/ppt/R-10-Dataframe.pptx
+++ b/ppt/R-10-Dataframe.pptx
@@ -4526,8 +4526,17 @@
             </a:r>
             <a:r>
               <a:rPr lang="fr-FR" dirty="0" smtClean="0"/>
-              <a:t> est une super matrice</a:t>
-            </a:r>
+              <a:t> est une </a:t>
+            </a:r>
+            <a:r>
+              <a:rPr lang="fr-FR" dirty="0" smtClean="0"/>
+              <a:t>matrice </a:t>
+            </a:r>
+            <a:r>
+              <a:rPr lang="fr-FR" dirty="0" err="1" smtClean="0"/>
+              <a:t>requêtable</a:t>
+            </a:r>
+            <a:endParaRPr lang="fr-FR" dirty="0" smtClean="0"/>
           </a:p>
           <a:p>
             <a:r>

--- a/ppt/R-10-Dataframe.pptx
+++ b/ppt/R-10-Dataframe.pptx
@@ -5,10 +5,10 @@
     <p:sldMasterId id="2147483653" r:id="rId1"/>
   </p:sldMasterIdLst>
   <p:notesMasterIdLst>
-    <p:notesMasterId r:id="rId17"/>
+    <p:notesMasterId r:id="rId15"/>
   </p:notesMasterIdLst>
   <p:handoutMasterIdLst>
-    <p:handoutMasterId r:id="rId18"/>
+    <p:handoutMasterId r:id="rId16"/>
   </p:handoutMasterIdLst>
   <p:sldIdLst>
     <p:sldId id="264" r:id="rId2"/>
@@ -21,11 +21,9 @@
     <p:sldId id="271" r:id="rId9"/>
     <p:sldId id="272" r:id="rId10"/>
     <p:sldId id="273" r:id="rId11"/>
-    <p:sldId id="274" r:id="rId12"/>
-    <p:sldId id="275" r:id="rId13"/>
-    <p:sldId id="278" r:id="rId14"/>
-    <p:sldId id="276" r:id="rId15"/>
-    <p:sldId id="277" r:id="rId16"/>
+    <p:sldId id="278" r:id="rId12"/>
+    <p:sldId id="276" r:id="rId13"/>
+    <p:sldId id="277" r:id="rId14"/>
   </p:sldIdLst>
   <p:sldSz cx="9144000" cy="6858000" type="screen4x3"/>
   <p:notesSz cx="6648450" cy="9782175"/>
@@ -3854,53 +3852,29 @@
             <a:pPr lvl="1"/>
             <a:r>
               <a:rPr lang="fr-FR" dirty="0" smtClean="0"/>
-              <a:t>Ces </a:t>
-            </a:r>
-            <a:r>
-              <a:rPr lang="fr-FR" dirty="0"/>
-              <a:t>éléments peuvent être de types </a:t>
+              <a:t>Les filtres des </a:t>
+            </a:r>
+            <a:r>
+              <a:rPr lang="fr-FR" dirty="0" err="1" smtClean="0"/>
+              <a:t>Dataframes</a:t>
             </a:r>
             <a:r>
               <a:rPr lang="fr-FR" dirty="0" smtClean="0"/>
-              <a:t>différents</a:t>
-            </a:r>
+              <a:t> sont des listes</a:t>
+            </a:r>
+            <a:endParaRPr lang="fr-FR" dirty="0"/>
           </a:p>
           <a:p>
             <a:pPr lvl="1"/>
             <a:r>
-              <a:rPr lang="fr-FR" dirty="0"/>
-              <a:t>L'utilité d'une telle structure est ainsi de regrouper dans un même objet une série d'autres objets appartenant par exemple à une même expérience ou </a:t>
+              <a:rPr lang="fr-FR" dirty="0" err="1" smtClean="0"/>
+              <a:t>as.vector</a:t>
             </a:r>
             <a:r>
               <a:rPr lang="fr-FR" dirty="0" smtClean="0"/>
-              <a:t>observation</a:t>
-            </a:r>
-          </a:p>
-          <a:p>
-            <a:pPr lvl="1"/>
-            <a:r>
-              <a:rPr lang="fr-FR" dirty="0" smtClean="0"/>
-              <a:t>L'utilité </a:t>
-            </a:r>
-            <a:r>
-              <a:rPr lang="fr-FR" dirty="0"/>
-              <a:t>réelle est alors de pouvoir traiter tous les éléments d'une même liste en une seule </a:t>
-            </a:r>
-            <a:r>
-              <a:rPr lang="fr-FR" dirty="0" smtClean="0"/>
-              <a:t>fois</a:t>
-            </a:r>
-          </a:p>
-          <a:p>
-            <a:pPr lvl="1"/>
-            <a:r>
-              <a:rPr lang="fr-FR" dirty="0" smtClean="0"/>
-              <a:t>Aucun rapport avec les listes Python</a:t>
-            </a:r>
-            <a:r>
-              <a:rPr lang="fr-FR" dirty="0"/>
-              <a:t> </a:t>
-            </a:r>
+              <a:t> traduit une liste en un vecteur</a:t>
+            </a:r>
+            <a:endParaRPr lang="fr-FR" dirty="0"/>
           </a:p>
         </p:txBody>
       </p:sp>
@@ -3951,168 +3925,6 @@
           <a:p>
             <a:r>
               <a:rPr lang="fr-FR" dirty="0" smtClean="0"/>
-              <a:t>Listes homogènes et </a:t>
-            </a:r>
-            <a:r>
-              <a:rPr lang="fr-FR" dirty="0" err="1" smtClean="0"/>
-              <a:t>lapply</a:t>
-            </a:r>
-            <a:endParaRPr lang="fr-FR" dirty="0"/>
-          </a:p>
-        </p:txBody>
-      </p:sp>
-      <p:pic>
-        <p:nvPicPr>
-          <p:cNvPr id="4" name="Espace réservé du contenu 3"/>
-          <p:cNvPicPr>
-            <a:picLocks noGrp="1" noChangeAspect="1"/>
-          </p:cNvPicPr>
-          <p:nvPr>
-            <p:ph idx="1"/>
-          </p:nvPr>
-        </p:nvPicPr>
-        <p:blipFill>
-          <a:blip r:embed="rId2"/>
-          <a:stretch>
-            <a:fillRect/>
-          </a:stretch>
-        </p:blipFill>
-        <p:spPr>
-          <a:xfrm>
-            <a:off x="1187624" y="1340768"/>
-            <a:ext cx="6759931" cy="4392488"/>
-          </a:xfrm>
-          <a:prstGeom prst="rect">
-            <a:avLst/>
-          </a:prstGeom>
-        </p:spPr>
-      </p:pic>
-    </p:spTree>
-    <p:extLst>
-      <p:ext uri="{BB962C8B-B14F-4D97-AF65-F5344CB8AC3E}">
-        <p14:creationId xmlns:p14="http://schemas.microsoft.com/office/powerpoint/2010/main" val="3809078031"/>
-      </p:ext>
-    </p:extLst>
-  </p:cSld>
-  <p:clrMapOvr>
-    <a:masterClrMapping/>
-  </p:clrMapOvr>
-</p:sld>
-</file>
-
-<file path=ppt/slides/slide12.xml><?xml version="1.0" encoding="utf-8"?>
-<p:sld xmlns:a="http://schemas.openxmlformats.org/drawingml/2006/main" xmlns:r="http://schemas.openxmlformats.org/officeDocument/2006/relationships" xmlns:p="http://schemas.openxmlformats.org/presentationml/2006/main">
-  <p:cSld>
-    <p:spTree>
-      <p:nvGrpSpPr>
-        <p:cNvPr id="1" name=""/>
-        <p:cNvGrpSpPr/>
-        <p:nvPr/>
-      </p:nvGrpSpPr>
-      <p:grpSpPr>
-        <a:xfrm>
-          <a:off x="0" y="0"/>
-          <a:ext cx="0" cy="0"/>
-          <a:chOff x="0" y="0"/>
-          <a:chExt cx="0" cy="0"/>
-        </a:xfrm>
-      </p:grpSpPr>
-      <p:sp>
-        <p:nvSpPr>
-          <p:cNvPr id="2" name="Titre 1"/>
-          <p:cNvSpPr>
-            <a:spLocks noGrp="1"/>
-          </p:cNvSpPr>
-          <p:nvPr>
-            <p:ph type="title"/>
-          </p:nvPr>
-        </p:nvSpPr>
-        <p:spPr/>
-        <p:txBody>
-          <a:bodyPr/>
-          <a:lstStyle/>
-          <a:p>
-            <a:r>
-              <a:rPr lang="fr-FR" dirty="0" err="1" smtClean="0"/>
-              <a:t>lapply</a:t>
-            </a:r>
-            <a:endParaRPr lang="fr-FR" dirty="0"/>
-          </a:p>
-        </p:txBody>
-      </p:sp>
-      <p:pic>
-        <p:nvPicPr>
-          <p:cNvPr id="4" name="Espace réservé du contenu 3"/>
-          <p:cNvPicPr>
-            <a:picLocks noGrp="1" noChangeAspect="1"/>
-          </p:cNvPicPr>
-          <p:nvPr>
-            <p:ph idx="1"/>
-          </p:nvPr>
-        </p:nvPicPr>
-        <p:blipFill>
-          <a:blip r:embed="rId2"/>
-          <a:stretch>
-            <a:fillRect/>
-          </a:stretch>
-        </p:blipFill>
-        <p:spPr>
-          <a:xfrm>
-            <a:off x="3347864" y="980728"/>
-            <a:ext cx="2981300" cy="5223238"/>
-          </a:xfrm>
-          <a:prstGeom prst="rect">
-            <a:avLst/>
-          </a:prstGeom>
-        </p:spPr>
-      </p:pic>
-    </p:spTree>
-    <p:extLst>
-      <p:ext uri="{BB962C8B-B14F-4D97-AF65-F5344CB8AC3E}">
-        <p14:creationId xmlns:p14="http://schemas.microsoft.com/office/powerpoint/2010/main" val="2467511417"/>
-      </p:ext>
-    </p:extLst>
-  </p:cSld>
-  <p:clrMapOvr>
-    <a:masterClrMapping/>
-  </p:clrMapOvr>
-</p:sld>
-</file>
-
-<file path=ppt/slides/slide13.xml><?xml version="1.0" encoding="utf-8"?>
-<p:sld xmlns:a="http://schemas.openxmlformats.org/drawingml/2006/main" xmlns:r="http://schemas.openxmlformats.org/officeDocument/2006/relationships" xmlns:p="http://schemas.openxmlformats.org/presentationml/2006/main">
-  <p:cSld>
-    <p:spTree>
-      <p:nvGrpSpPr>
-        <p:cNvPr id="1" name=""/>
-        <p:cNvGrpSpPr/>
-        <p:nvPr/>
-      </p:nvGrpSpPr>
-      <p:grpSpPr>
-        <a:xfrm>
-          <a:off x="0" y="0"/>
-          <a:ext cx="0" cy="0"/>
-          <a:chOff x="0" y="0"/>
-          <a:chExt cx="0" cy="0"/>
-        </a:xfrm>
-      </p:grpSpPr>
-      <p:sp>
-        <p:nvSpPr>
-          <p:cNvPr id="2" name="Titre 1"/>
-          <p:cNvSpPr>
-            <a:spLocks noGrp="1"/>
-          </p:cNvSpPr>
-          <p:nvPr>
-            <p:ph type="title"/>
-          </p:nvPr>
-        </p:nvSpPr>
-        <p:spPr/>
-        <p:txBody>
-          <a:bodyPr/>
-          <a:lstStyle/>
-          <a:p>
-            <a:r>
-              <a:rPr lang="fr-FR" dirty="0" smtClean="0"/>
               <a:t>Listes hétérogènes</a:t>
             </a:r>
             <a:endParaRPr lang="fr-FR" dirty="0"/>
@@ -4157,18 +3969,11 @@
             <a:pPr lvl="1"/>
             <a:r>
               <a:rPr lang="fr-FR" dirty="0" smtClean="0"/>
-              <a:t>Ce sont des listes hétérogènes</a:t>
-            </a:r>
-          </a:p>
-          <a:p>
-            <a:pPr lvl="1"/>
+              <a:t>Ce sont des listes </a:t>
+            </a:r>
             <a:r>
               <a:rPr lang="fr-FR" dirty="0" smtClean="0"/>
-              <a:t>Impossible d'utiliser </a:t>
-            </a:r>
-            <a:r>
-              <a:rPr lang="fr-FR" dirty="0" err="1" smtClean="0"/>
-              <a:t>lapply</a:t>
+              <a:t>hétérogènes</a:t>
             </a:r>
             <a:endParaRPr lang="fr-FR" dirty="0" smtClean="0"/>
           </a:p>
@@ -4187,7 +3992,7 @@
 </p:sld>
 </file>
 
-<file path=ppt/slides/slide14.xml><?xml version="1.0" encoding="utf-8"?>
+<file path=ppt/slides/slide12.xml><?xml version="1.0" encoding="utf-8"?>
 <p:sld xmlns:a="http://schemas.openxmlformats.org/drawingml/2006/main" xmlns:r="http://schemas.openxmlformats.org/officeDocument/2006/relationships" xmlns:p="http://schemas.openxmlformats.org/presentationml/2006/main">
   <p:cSld>
     <p:spTree>
@@ -4343,7 +4148,7 @@
 </p:sld>
 </file>
 
-<file path=ppt/slides/slide15.xml><?xml version="1.0" encoding="utf-8"?>
+<file path=ppt/slides/slide13.xml><?xml version="1.0" encoding="utf-8"?>
 <p:sld xmlns:a="http://schemas.openxmlformats.org/drawingml/2006/main" xmlns:r="http://schemas.openxmlformats.org/officeDocument/2006/relationships" xmlns:p="http://schemas.openxmlformats.org/presentationml/2006/main">
   <p:cSld>
     <p:spTree>
@@ -4526,11 +4331,7 @@
             </a:r>
             <a:r>
               <a:rPr lang="fr-FR" dirty="0" smtClean="0"/>
-              <a:t> est une </a:t>
-            </a:r>
-            <a:r>
-              <a:rPr lang="fr-FR" dirty="0" smtClean="0"/>
-              <a:t>matrice </a:t>
+              <a:t> est une matrice </a:t>
             </a:r>
             <a:r>
               <a:rPr lang="fr-FR" dirty="0" err="1" smtClean="0"/>
@@ -5472,48 +5273,14 @@
           <a:lstStyle/>
           <a:p>
             <a:r>
-              <a:rPr lang="fr-FR" dirty="0"/>
-              <a:t>L</a:t>
-            </a:r>
-            <a:r>
               <a:rPr lang="fr-FR" dirty="0" smtClean="0"/>
-              <a:t>es </a:t>
-            </a:r>
-            <a:r>
-              <a:rPr lang="fr-FR" dirty="0"/>
-              <a:t>facteurs sont généralement utilisés pour y stocker des </a:t>
-            </a:r>
-            <a:r>
-              <a:rPr lang="fr-FR" b="1" dirty="0"/>
-              <a:t>variables qualitatives</a:t>
-            </a:r>
-            <a:r>
-              <a:rPr lang="fr-FR" dirty="0"/>
-              <a:t>, des variables auxquelles on associe une valeur descriptive et non </a:t>
-            </a:r>
-            <a:r>
-              <a:rPr lang="fr-FR" dirty="0" smtClean="0"/>
-              <a:t>numérique</a:t>
-            </a:r>
-          </a:p>
-          <a:p>
-            <a:pPr lvl="1"/>
-            <a:r>
-              <a:rPr lang="fr-FR" dirty="0" smtClean="0"/>
-              <a:t>Par </a:t>
-            </a:r>
-            <a:r>
-              <a:rPr lang="fr-FR" dirty="0"/>
-              <a:t>exemple si l'on souhaite étudier le temps qu'il fait on peut avoir recours à des relevés quantitatifs (la température en degrés </a:t>
-            </a:r>
-            <a:r>
-              <a:rPr lang="fr-FR" dirty="0" err="1"/>
-              <a:t>celsius</a:t>
-            </a:r>
-            <a:r>
-              <a:rPr lang="fr-FR" dirty="0"/>
-              <a:t> par exemple) ou qualitatifs (temps nuageux, beau, pluvieux, ...).</a:t>
-            </a:r>
+              <a:t>Ancien format avant les </a:t>
+            </a:r>
+            <a:r>
+              <a:rPr lang="fr-FR" dirty="0" err="1" smtClean="0"/>
+              <a:t>DataFrames</a:t>
+            </a:r>
+            <a:endParaRPr lang="fr-FR" dirty="0"/>
           </a:p>
         </p:txBody>
       </p:sp>
@@ -5533,7 +5300,7 @@
         </p:blipFill>
         <p:spPr>
           <a:xfrm>
-            <a:off x="2957574" y="4941168"/>
+            <a:off x="2957574" y="2996952"/>
             <a:ext cx="3209925" cy="1085850"/>
           </a:xfrm>
           <a:prstGeom prst="rect">

--- a/ppt/R-10-Dataframe.pptx
+++ b/ppt/R-10-Dataframe.pptx
@@ -616,35 +616,35 @@
           <a:p>
             <a:pPr lvl="0"/>
             <a:r>
-              <a:rPr lang="fr-FR" noProof="0" smtClean="0"/>
+              <a:rPr lang="fr-FR" noProof="0"/>
               <a:t>Cliquez pour modifier les styles du texte du masque</a:t>
             </a:r>
           </a:p>
           <a:p>
             <a:pPr lvl="1"/>
             <a:r>
-              <a:rPr lang="fr-FR" noProof="0" smtClean="0"/>
+              <a:rPr lang="fr-FR" noProof="0"/>
               <a:t>Deuxième niveau</a:t>
             </a:r>
           </a:p>
           <a:p>
             <a:pPr lvl="2"/>
             <a:r>
-              <a:rPr lang="fr-FR" noProof="0" smtClean="0"/>
+              <a:rPr lang="fr-FR" noProof="0"/>
               <a:t>Troisième niveau</a:t>
             </a:r>
           </a:p>
           <a:p>
             <a:pPr lvl="3"/>
             <a:r>
-              <a:rPr lang="fr-FR" noProof="0" smtClean="0"/>
+              <a:rPr lang="fr-FR" noProof="0"/>
               <a:t>Quatrième niveau</a:t>
             </a:r>
           </a:p>
           <a:p>
             <a:pPr lvl="4"/>
             <a:r>
-              <a:rPr lang="fr-FR" noProof="0" smtClean="0"/>
+              <a:rPr lang="fr-FR" noProof="0"/>
               <a:t>Cinquième niveau</a:t>
             </a:r>
           </a:p>
@@ -932,10 +932,9 @@
           <a:lstStyle/>
           <a:p>
             <a:r>
-              <a:rPr lang="fr-FR" smtClean="0"/>
+              <a:rPr lang="fr-FR"/>
               <a:t>Cliquez pour modifier le style du titre</a:t>
             </a:r>
-            <a:endParaRPr lang="fr-FR"/>
           </a:p>
         </p:txBody>
       </p:sp>
@@ -997,10 +996,9 @@
           </a:lstStyle>
           <a:p>
             <a:r>
-              <a:rPr lang="fr-FR" smtClean="0"/>
+              <a:rPr lang="fr-FR"/>
               <a:t>Cliquez pour modifier le style des sous-titres du masque</a:t>
             </a:r>
-            <a:endParaRPr lang="fr-FR"/>
           </a:p>
         </p:txBody>
       </p:sp>
@@ -1055,10 +1053,9 @@
           <a:lstStyle/>
           <a:p>
             <a:r>
-              <a:rPr lang="fr-FR" smtClean="0"/>
+              <a:rPr lang="fr-FR"/>
               <a:t>Cliquez pour modifier le style du titre</a:t>
             </a:r>
-            <a:endParaRPr lang="fr-FR"/>
           </a:p>
         </p:txBody>
       </p:sp>
@@ -1084,38 +1081,37 @@
           <a:p>
             <a:pPr lvl="0"/>
             <a:r>
-              <a:rPr lang="fr-FR" smtClean="0"/>
+              <a:rPr lang="fr-FR"/>
               <a:t>Cliquez pour modifier les styles du texte du masque</a:t>
             </a:r>
           </a:p>
           <a:p>
             <a:pPr lvl="1"/>
             <a:r>
-              <a:rPr lang="fr-FR" smtClean="0"/>
+              <a:rPr lang="fr-FR"/>
               <a:t>Deuxième niveau</a:t>
             </a:r>
           </a:p>
           <a:p>
             <a:pPr lvl="2"/>
             <a:r>
-              <a:rPr lang="fr-FR" smtClean="0"/>
+              <a:rPr lang="fr-FR"/>
               <a:t>Troisième niveau</a:t>
             </a:r>
           </a:p>
           <a:p>
             <a:pPr lvl="3"/>
             <a:r>
-              <a:rPr lang="fr-FR" smtClean="0"/>
+              <a:rPr lang="fr-FR"/>
               <a:t>Quatrième niveau</a:t>
             </a:r>
           </a:p>
           <a:p>
             <a:pPr lvl="4"/>
             <a:r>
-              <a:rPr lang="fr-FR" smtClean="0"/>
+              <a:rPr lang="fr-FR"/>
               <a:t>Cinquième niveau</a:t>
             </a:r>
-            <a:endParaRPr lang="fr-FR"/>
           </a:p>
         </p:txBody>
       </p:sp>
@@ -1174,10 +1170,9 @@
           </a:lstStyle>
           <a:p>
             <a:r>
-              <a:rPr lang="fr-FR" dirty="0" smtClean="0"/>
+              <a:rPr lang="fr-FR" dirty="0"/>
               <a:t>Cliquez pour modifier le style du titre</a:t>
             </a:r>
-            <a:endParaRPr lang="fr-FR" dirty="0"/>
           </a:p>
         </p:txBody>
       </p:sp>
@@ -1203,38 +1198,37 @@
           <a:p>
             <a:pPr lvl="0"/>
             <a:r>
-              <a:rPr lang="fr-FR" dirty="0" smtClean="0"/>
+              <a:rPr lang="fr-FR" dirty="0"/>
               <a:t>Cliquez pour modifier les styles du texte du masque</a:t>
             </a:r>
           </a:p>
           <a:p>
             <a:pPr lvl="1"/>
             <a:r>
-              <a:rPr lang="fr-FR" dirty="0" smtClean="0"/>
+              <a:rPr lang="fr-FR" dirty="0"/>
               <a:t>Deuxième niveau</a:t>
             </a:r>
           </a:p>
           <a:p>
             <a:pPr lvl="2"/>
             <a:r>
-              <a:rPr lang="fr-FR" dirty="0" smtClean="0"/>
+              <a:rPr lang="fr-FR" dirty="0"/>
               <a:t>Troisième niveau</a:t>
             </a:r>
           </a:p>
           <a:p>
             <a:pPr lvl="3"/>
             <a:r>
-              <a:rPr lang="fr-FR" dirty="0" smtClean="0"/>
+              <a:rPr lang="fr-FR" dirty="0"/>
               <a:t>Quatrième niveau</a:t>
             </a:r>
           </a:p>
           <a:p>
             <a:pPr lvl="4"/>
             <a:r>
-              <a:rPr lang="fr-FR" dirty="0" smtClean="0"/>
+              <a:rPr lang="fr-FR" dirty="0"/>
               <a:t>Cinquième niveau</a:t>
             </a:r>
-            <a:endParaRPr lang="fr-FR" dirty="0"/>
           </a:p>
         </p:txBody>
       </p:sp>
@@ -1284,10 +1278,9 @@
           <a:lstStyle/>
           <a:p>
             <a:r>
-              <a:rPr lang="fr-FR" smtClean="0"/>
+              <a:rPr lang="fr-FR"/>
               <a:t>Cliquez pour modifier le style du titre</a:t>
             </a:r>
-            <a:endParaRPr lang="fr-FR"/>
           </a:p>
         </p:txBody>
       </p:sp>
@@ -1341,38 +1334,37 @@
           <a:p>
             <a:pPr lvl="0"/>
             <a:r>
-              <a:rPr lang="fr-FR" smtClean="0"/>
+              <a:rPr lang="fr-FR"/>
               <a:t>Cliquez pour modifier les styles du texte du masque</a:t>
             </a:r>
           </a:p>
           <a:p>
             <a:pPr lvl="1"/>
             <a:r>
-              <a:rPr lang="fr-FR" smtClean="0"/>
+              <a:rPr lang="fr-FR"/>
               <a:t>Deuxième niveau</a:t>
             </a:r>
           </a:p>
           <a:p>
             <a:pPr lvl="2"/>
             <a:r>
-              <a:rPr lang="fr-FR" smtClean="0"/>
+              <a:rPr lang="fr-FR"/>
               <a:t>Troisième niveau</a:t>
             </a:r>
           </a:p>
           <a:p>
             <a:pPr lvl="3"/>
             <a:r>
-              <a:rPr lang="fr-FR" smtClean="0"/>
+              <a:rPr lang="fr-FR"/>
               <a:t>Quatrième niveau</a:t>
             </a:r>
           </a:p>
           <a:p>
             <a:pPr lvl="4"/>
             <a:r>
-              <a:rPr lang="fr-FR" smtClean="0"/>
+              <a:rPr lang="fr-FR"/>
               <a:t>Cinquième niveau</a:t>
             </a:r>
-            <a:endParaRPr lang="fr-FR"/>
           </a:p>
         </p:txBody>
       </p:sp>
@@ -1426,38 +1418,37 @@
           <a:p>
             <a:pPr lvl="0"/>
             <a:r>
-              <a:rPr lang="fr-FR" smtClean="0"/>
+              <a:rPr lang="fr-FR"/>
               <a:t>Cliquez pour modifier les styles du texte du masque</a:t>
             </a:r>
           </a:p>
           <a:p>
             <a:pPr lvl="1"/>
             <a:r>
-              <a:rPr lang="fr-FR" smtClean="0"/>
+              <a:rPr lang="fr-FR"/>
               <a:t>Deuxième niveau</a:t>
             </a:r>
           </a:p>
           <a:p>
             <a:pPr lvl="2"/>
             <a:r>
-              <a:rPr lang="fr-FR" smtClean="0"/>
+              <a:rPr lang="fr-FR"/>
               <a:t>Troisième niveau</a:t>
             </a:r>
           </a:p>
           <a:p>
             <a:pPr lvl="3"/>
             <a:r>
-              <a:rPr lang="fr-FR" smtClean="0"/>
+              <a:rPr lang="fr-FR"/>
               <a:t>Quatrième niveau</a:t>
             </a:r>
           </a:p>
           <a:p>
             <a:pPr lvl="4"/>
             <a:r>
-              <a:rPr lang="fr-FR" smtClean="0"/>
+              <a:rPr lang="fr-FR"/>
               <a:t>Cinquième niveau</a:t>
             </a:r>
-            <a:endParaRPr lang="fr-FR"/>
           </a:p>
         </p:txBody>
       </p:sp>
@@ -1516,10 +1507,9 @@
           </a:lstStyle>
           <a:p>
             <a:r>
-              <a:rPr lang="fr-FR" smtClean="0"/>
+              <a:rPr lang="fr-FR"/>
               <a:t>Cliquez pour modifier le style du titre</a:t>
             </a:r>
-            <a:endParaRPr lang="fr-FR"/>
           </a:p>
         </p:txBody>
       </p:sp>
@@ -1582,7 +1572,7 @@
           <a:p>
             <a:pPr lvl="0"/>
             <a:r>
-              <a:rPr lang="fr-FR" smtClean="0"/>
+              <a:rPr lang="fr-FR"/>
               <a:t>Cliquez pour modifier les styles du texte du masque</a:t>
             </a:r>
           </a:p>
@@ -1638,38 +1628,37 @@
           <a:p>
             <a:pPr lvl="0"/>
             <a:r>
-              <a:rPr lang="fr-FR" smtClean="0"/>
+              <a:rPr lang="fr-FR"/>
               <a:t>Cliquez pour modifier les styles du texte du masque</a:t>
             </a:r>
           </a:p>
           <a:p>
             <a:pPr lvl="1"/>
             <a:r>
-              <a:rPr lang="fr-FR" smtClean="0"/>
+              <a:rPr lang="fr-FR"/>
               <a:t>Deuxième niveau</a:t>
             </a:r>
           </a:p>
           <a:p>
             <a:pPr lvl="2"/>
             <a:r>
-              <a:rPr lang="fr-FR" smtClean="0"/>
+              <a:rPr lang="fr-FR"/>
               <a:t>Troisième niveau</a:t>
             </a:r>
           </a:p>
           <a:p>
             <a:pPr lvl="3"/>
             <a:r>
-              <a:rPr lang="fr-FR" smtClean="0"/>
+              <a:rPr lang="fr-FR"/>
               <a:t>Quatrième niveau</a:t>
             </a:r>
           </a:p>
           <a:p>
             <a:pPr lvl="4"/>
             <a:r>
-              <a:rPr lang="fr-FR" smtClean="0"/>
+              <a:rPr lang="fr-FR"/>
               <a:t>Cinquième niveau</a:t>
             </a:r>
-            <a:endParaRPr lang="fr-FR"/>
           </a:p>
         </p:txBody>
       </p:sp>
@@ -1732,7 +1721,7 @@
           <a:p>
             <a:pPr lvl="0"/>
             <a:r>
-              <a:rPr lang="fr-FR" smtClean="0"/>
+              <a:rPr lang="fr-FR"/>
               <a:t>Cliquez pour modifier les styles du texte du masque</a:t>
             </a:r>
           </a:p>
@@ -1788,38 +1777,37 @@
           <a:p>
             <a:pPr lvl="0"/>
             <a:r>
-              <a:rPr lang="fr-FR" smtClean="0"/>
+              <a:rPr lang="fr-FR"/>
               <a:t>Cliquez pour modifier les styles du texte du masque</a:t>
             </a:r>
           </a:p>
           <a:p>
             <a:pPr lvl="1"/>
             <a:r>
-              <a:rPr lang="fr-FR" smtClean="0"/>
+              <a:rPr lang="fr-FR"/>
               <a:t>Deuxième niveau</a:t>
             </a:r>
           </a:p>
           <a:p>
             <a:pPr lvl="2"/>
             <a:r>
-              <a:rPr lang="fr-FR" smtClean="0"/>
+              <a:rPr lang="fr-FR"/>
               <a:t>Troisième niveau</a:t>
             </a:r>
           </a:p>
           <a:p>
             <a:pPr lvl="3"/>
             <a:r>
-              <a:rPr lang="fr-FR" smtClean="0"/>
+              <a:rPr lang="fr-FR"/>
               <a:t>Quatrième niveau</a:t>
             </a:r>
           </a:p>
           <a:p>
             <a:pPr lvl="4"/>
             <a:r>
-              <a:rPr lang="fr-FR" smtClean="0"/>
+              <a:rPr lang="fr-FR"/>
               <a:t>Cinquième niveau</a:t>
             </a:r>
-            <a:endParaRPr lang="fr-FR"/>
           </a:p>
         </p:txBody>
       </p:sp>
@@ -1869,10 +1857,9 @@
           <a:lstStyle/>
           <a:p>
             <a:r>
-              <a:rPr lang="fr-FR" smtClean="0"/>
+              <a:rPr lang="fr-FR"/>
               <a:t>Cliquez pour modifier le style du titre</a:t>
             </a:r>
-            <a:endParaRPr lang="fr-FR"/>
           </a:p>
         </p:txBody>
       </p:sp>
@@ -1961,10 +1948,9 @@
           </a:lstStyle>
           <a:p>
             <a:r>
-              <a:rPr lang="fr-FR" smtClean="0"/>
+              <a:rPr lang="fr-FR"/>
               <a:t>Cliquez pour modifier le style du titre</a:t>
             </a:r>
-            <a:endParaRPr lang="fr-FR"/>
           </a:p>
         </p:txBody>
       </p:sp>
@@ -2018,38 +2004,37 @@
           <a:p>
             <a:pPr lvl="0"/>
             <a:r>
-              <a:rPr lang="fr-FR" smtClean="0"/>
+              <a:rPr lang="fr-FR"/>
               <a:t>Cliquez pour modifier les styles du texte du masque</a:t>
             </a:r>
           </a:p>
           <a:p>
             <a:pPr lvl="1"/>
             <a:r>
-              <a:rPr lang="fr-FR" smtClean="0"/>
+              <a:rPr lang="fr-FR"/>
               <a:t>Deuxième niveau</a:t>
             </a:r>
           </a:p>
           <a:p>
             <a:pPr lvl="2"/>
             <a:r>
-              <a:rPr lang="fr-FR" smtClean="0"/>
+              <a:rPr lang="fr-FR"/>
               <a:t>Troisième niveau</a:t>
             </a:r>
           </a:p>
           <a:p>
             <a:pPr lvl="3"/>
             <a:r>
-              <a:rPr lang="fr-FR" smtClean="0"/>
+              <a:rPr lang="fr-FR"/>
               <a:t>Quatrième niveau</a:t>
             </a:r>
           </a:p>
           <a:p>
             <a:pPr lvl="4"/>
             <a:r>
-              <a:rPr lang="fr-FR" smtClean="0"/>
+              <a:rPr lang="fr-FR"/>
               <a:t>Cinquième niveau</a:t>
             </a:r>
-            <a:endParaRPr lang="fr-FR"/>
           </a:p>
         </p:txBody>
       </p:sp>
@@ -2112,7 +2097,7 @@
           <a:p>
             <a:pPr lvl="0"/>
             <a:r>
-              <a:rPr lang="fr-FR" smtClean="0"/>
+              <a:rPr lang="fr-FR"/>
               <a:t>Cliquez pour modifier les styles du texte du masque</a:t>
             </a:r>
           </a:p>
@@ -2173,10 +2158,9 @@
           </a:lstStyle>
           <a:p>
             <a:r>
-              <a:rPr lang="fr-FR" smtClean="0"/>
+              <a:rPr lang="fr-FR"/>
               <a:t>Cliquez pour modifier le style du titre</a:t>
             </a:r>
-            <a:endParaRPr lang="fr-FR"/>
           </a:p>
         </p:txBody>
       </p:sp>
@@ -2238,7 +2222,7 @@
           </a:lstStyle>
           <a:p>
             <a:pPr lvl="0"/>
-            <a:endParaRPr lang="fr-FR" noProof="0" smtClean="0"/>
+            <a:endParaRPr lang="fr-FR" noProof="0"/>
           </a:p>
         </p:txBody>
       </p:sp>
@@ -2301,7 +2285,7 @@
           <a:p>
             <a:pPr lvl="0"/>
             <a:r>
-              <a:rPr lang="fr-FR" smtClean="0"/>
+              <a:rPr lang="fr-FR"/>
               <a:t>Cliquez pour modifier les styles du texte du masque</a:t>
             </a:r>
           </a:p>
@@ -2353,10 +2337,9 @@
           <a:lstStyle/>
           <a:p>
             <a:r>
-              <a:rPr lang="fr-FR" smtClean="0"/>
+              <a:rPr lang="fr-FR"/>
               <a:t>Cliquez pour modifier le style du titre</a:t>
             </a:r>
-            <a:endParaRPr lang="fr-FR"/>
           </a:p>
         </p:txBody>
       </p:sp>
@@ -2377,38 +2360,37 @@
           <a:p>
             <a:pPr lvl="0"/>
             <a:r>
-              <a:rPr lang="fr-FR" smtClean="0"/>
+              <a:rPr lang="fr-FR"/>
               <a:t>Cliquez pour modifier les styles du texte du masque</a:t>
             </a:r>
           </a:p>
           <a:p>
             <a:pPr lvl="1"/>
             <a:r>
-              <a:rPr lang="fr-FR" smtClean="0"/>
+              <a:rPr lang="fr-FR"/>
               <a:t>Deuxième niveau</a:t>
             </a:r>
           </a:p>
           <a:p>
             <a:pPr lvl="2"/>
             <a:r>
-              <a:rPr lang="fr-FR" smtClean="0"/>
+              <a:rPr lang="fr-FR"/>
               <a:t>Troisième niveau</a:t>
             </a:r>
           </a:p>
           <a:p>
             <a:pPr lvl="3"/>
             <a:r>
-              <a:rPr lang="fr-FR" smtClean="0"/>
+              <a:rPr lang="fr-FR"/>
               <a:t>Quatrième niveau</a:t>
             </a:r>
           </a:p>
           <a:p>
             <a:pPr lvl="4"/>
             <a:r>
-              <a:rPr lang="fr-FR" smtClean="0"/>
+              <a:rPr lang="fr-FR"/>
               <a:t>Cinquième niveau</a:t>
             </a:r>
-            <a:endParaRPr lang="fr-FR"/>
           </a:p>
         </p:txBody>
       </p:sp>
@@ -2589,7 +2571,7 @@
             <a:pPr eaLnBrk="1" hangingPunct="1">
               <a:defRPr/>
             </a:pPr>
-            <a:endParaRPr lang="fr-FR" altLang="fr-FR" smtClean="0"/>
+            <a:endParaRPr lang="fr-FR" altLang="fr-FR"/>
           </a:p>
         </p:txBody>
       </p:sp>
@@ -2743,7 +2725,7 @@
               <a:defRPr/>
             </a:pPr>
             <a:r>
-              <a:rPr lang="fr-FR" sz="1200" dirty="0" smtClean="0"/>
+              <a:rPr lang="fr-FR" sz="1200" dirty="0"/>
               <a:t>Page </a:t>
             </a:r>
             <a:fld id="{E218E9B1-FD08-4C80-902E-210BA2967D0D}" type="slidenum">
@@ -2756,7 +2738,7 @@
               </a:pPr>
               <a:t>‹N°›</a:t>
             </a:fld>
-            <a:endParaRPr lang="fr-FR" dirty="0" smtClean="0">
+            <a:endParaRPr lang="fr-FR" dirty="0">
               <a:latin typeface="Times New Roman" pitchFamily="18" charset="0"/>
             </a:endParaRPr>
           </a:p>
@@ -2912,10 +2894,10 @@
               <a:defRPr/>
             </a:pPr>
             <a:r>
-              <a:rPr lang="fr-FR" sz="1600" dirty="0" smtClean="0"/>
+              <a:rPr lang="fr-FR" sz="1600" dirty="0"/>
               <a:t>R</a:t>
             </a:r>
-            <a:endParaRPr lang="fr-FR" dirty="0" smtClean="0">
+            <a:endParaRPr lang="fr-FR" dirty="0">
               <a:latin typeface="Times New Roman" pitchFamily="18" charset="0"/>
             </a:endParaRPr>
           </a:p>
@@ -2973,7 +2955,7 @@
           <a:p>
             <a:pPr lvl="0"/>
             <a:r>
-              <a:rPr lang="fr-FR" altLang="fr-FR" smtClean="0"/>
+              <a:rPr lang="fr-FR" altLang="fr-FR"/>
               <a:t>Cliquez pour modifier le style du titre du masque</a:t>
             </a:r>
           </a:p>
@@ -3031,35 +3013,35 @@
           <a:p>
             <a:pPr lvl="0"/>
             <a:r>
-              <a:rPr lang="fr-FR" altLang="fr-FR" smtClean="0"/>
+              <a:rPr lang="fr-FR" altLang="fr-FR"/>
               <a:t>Cliquez pour modifier les styles du texte du masque</a:t>
             </a:r>
           </a:p>
           <a:p>
             <a:pPr lvl="1"/>
             <a:r>
-              <a:rPr lang="fr-FR" altLang="fr-FR" smtClean="0"/>
+              <a:rPr lang="fr-FR" altLang="fr-FR"/>
               <a:t>Deuxième niveau</a:t>
             </a:r>
           </a:p>
           <a:p>
             <a:pPr lvl="2"/>
             <a:r>
-              <a:rPr lang="fr-FR" altLang="fr-FR" smtClean="0"/>
+              <a:rPr lang="fr-FR" altLang="fr-FR"/>
               <a:t>Troisième niveau</a:t>
             </a:r>
           </a:p>
           <a:p>
             <a:pPr lvl="3"/>
             <a:r>
-              <a:rPr lang="fr-FR" altLang="fr-FR" smtClean="0"/>
+              <a:rPr lang="fr-FR" altLang="fr-FR"/>
               <a:t>Quatrième niveau</a:t>
             </a:r>
           </a:p>
           <a:p>
             <a:pPr lvl="4"/>
             <a:r>
-              <a:rPr lang="fr-FR" altLang="fr-FR" smtClean="0"/>
+              <a:rPr lang="fr-FR" altLang="fr-FR"/>
               <a:t>Cinquième niveau</a:t>
             </a:r>
           </a:p>
@@ -3215,10 +3197,10 @@
               <a:defRPr/>
             </a:pPr>
             <a:r>
-              <a:rPr lang="fr-FR" sz="1200" smtClean="0"/>
+              <a:rPr lang="fr-FR" sz="1200"/>
               <a:t>© Cyril Vincent Conseil</a:t>
             </a:r>
-            <a:endParaRPr lang="fr-FR" smtClean="0">
+            <a:endParaRPr lang="fr-FR">
               <a:latin typeface="Times New Roman" pitchFamily="18" charset="0"/>
             </a:endParaRPr>
           </a:p>
@@ -3700,21 +3682,21 @@
           <a:p>
             <a:pPr eaLnBrk="1" hangingPunct="1"/>
             <a:r>
-              <a:rPr lang="fr-FR" altLang="fr-FR" dirty="0" smtClean="0"/>
+              <a:rPr lang="fr-FR" altLang="fr-FR" dirty="0"/>
               <a:t>Chapitre 10</a:t>
             </a:r>
           </a:p>
           <a:p>
             <a:pPr eaLnBrk="1" hangingPunct="1"/>
             <a:r>
-              <a:rPr lang="fr-FR" altLang="fr-FR" dirty="0" smtClean="0"/>
+              <a:rPr lang="fr-FR" altLang="fr-FR" dirty="0"/>
               <a:t>Data Frame</a:t>
             </a:r>
           </a:p>
           <a:p>
             <a:pPr eaLnBrk="1" hangingPunct="1"/>
             <a:r>
-              <a:rPr lang="fr-FR" altLang="fr-FR" dirty="0" smtClean="0"/>
+              <a:rPr lang="fr-FR" altLang="fr-FR" dirty="0"/>
               <a:t>www.CyrilVincent.com</a:t>
             </a:r>
           </a:p>
@@ -3766,13 +3748,6 @@
   <p:clrMapOvr>
     <a:masterClrMapping/>
   </p:clrMapOvr>
-  <p:timing>
-    <p:tnLst>
-      <p:par>
-        <p:cTn id="1" dur="indefinite" restart="never" nodeType="tmRoot"/>
-      </p:par>
-    </p:tnLst>
-  </p:timing>
 </p:sld>
 </file>
 
@@ -3809,10 +3784,9 @@
           <a:lstStyle/>
           <a:p>
             <a:r>
-              <a:rPr lang="fr-FR" dirty="0" smtClean="0"/>
+              <a:rPr lang="fr-FR" dirty="0"/>
               <a:t>List</a:t>
             </a:r>
-            <a:endParaRPr lang="fr-FR" dirty="0"/>
           </a:p>
         </p:txBody>
       </p:sp>
@@ -3833,48 +3807,34 @@
           <a:p>
             <a:r>
               <a:rPr lang="fr-FR" dirty="0"/>
-              <a:t>U</a:t>
-            </a:r>
-            <a:r>
-              <a:rPr lang="fr-FR" dirty="0" smtClean="0"/>
-              <a:t>ne </a:t>
-            </a:r>
+              <a:t>Une liste est un ensemble d'éléments ordonnés les uns à la suite des autres dans une même structure indexée</a:t>
+            </a:r>
+          </a:p>
+          <a:p>
+            <a:pPr lvl="1"/>
             <a:r>
               <a:rPr lang="fr-FR" dirty="0"/>
-              <a:t>liste est un ensemble d'éléments ordonnés les uns à la suite des autres dans une même structure </a:t>
-            </a:r>
-            <a:r>
-              <a:rPr lang="fr-FR" dirty="0" smtClean="0"/>
-              <a:t>indexée</a:t>
+              <a:t>Les filtres des </a:t>
+            </a:r>
+            <a:r>
+              <a:rPr lang="fr-FR" dirty="0" err="1"/>
+              <a:t>Dataframes</a:t>
+            </a:r>
+            <a:r>
+              <a:rPr lang="fr-FR" dirty="0"/>
+              <a:t> sont des listes</a:t>
             </a:r>
           </a:p>
           <a:p>
             <a:pPr lvl="1"/>
             <a:r>
-              <a:rPr lang="fr-FR" dirty="0" smtClean="0"/>
-              <a:t>Les filtres des </a:t>
-            </a:r>
-            <a:r>
-              <a:rPr lang="fr-FR" dirty="0" err="1" smtClean="0"/>
-              <a:t>Dataframes</a:t>
-            </a:r>
-            <a:r>
-              <a:rPr lang="fr-FR" dirty="0" smtClean="0"/>
-              <a:t> sont des listes</a:t>
-            </a:r>
-            <a:endParaRPr lang="fr-FR" dirty="0"/>
-          </a:p>
-          <a:p>
-            <a:pPr lvl="1"/>
-            <a:r>
-              <a:rPr lang="fr-FR" dirty="0" err="1" smtClean="0"/>
+              <a:rPr lang="fr-FR" dirty="0" err="1"/>
               <a:t>as.vector</a:t>
             </a:r>
             <a:r>
-              <a:rPr lang="fr-FR" dirty="0" smtClean="0"/>
+              <a:rPr lang="fr-FR" dirty="0"/>
               <a:t> traduit une liste en un vecteur</a:t>
             </a:r>
-            <a:endParaRPr lang="fr-FR" dirty="0"/>
           </a:p>
         </p:txBody>
       </p:sp>
@@ -3924,10 +3884,9 @@
           <a:lstStyle/>
           <a:p>
             <a:r>
-              <a:rPr lang="fr-FR" dirty="0" smtClean="0"/>
+              <a:rPr lang="fr-FR" dirty="0"/>
               <a:t>Listes hétérogènes</a:t>
             </a:r>
-            <a:endParaRPr lang="fr-FR" dirty="0"/>
           </a:p>
         </p:txBody>
       </p:sp>
@@ -3947,35 +3906,30 @@
           <a:lstStyle/>
           <a:p>
             <a:r>
-              <a:rPr lang="fr-FR" dirty="0" smtClean="0"/>
+              <a:rPr lang="fr-FR" dirty="0"/>
               <a:t>Les listes sont très utilisées pour les retours de fonctions complexes</a:t>
             </a:r>
           </a:p>
           <a:p>
             <a:pPr lvl="1"/>
             <a:r>
-              <a:rPr lang="fr-FR" dirty="0" smtClean="0"/>
+              <a:rPr lang="fr-FR" dirty="0"/>
               <a:t>+ rapide de tout faire en une passe</a:t>
             </a:r>
           </a:p>
           <a:p>
             <a:pPr lvl="1"/>
             <a:r>
-              <a:rPr lang="fr-FR" dirty="0" smtClean="0"/>
+              <a:rPr lang="fr-FR" dirty="0"/>
               <a:t>C'est ce qui est faire pour les fonctions de stat</a:t>
             </a:r>
           </a:p>
           <a:p>
             <a:pPr lvl="1"/>
             <a:r>
-              <a:rPr lang="fr-FR" dirty="0" smtClean="0"/>
-              <a:t>Ce sont des listes </a:t>
-            </a:r>
-            <a:r>
-              <a:rPr lang="fr-FR" dirty="0" smtClean="0"/>
-              <a:t>hétérogènes</a:t>
-            </a:r>
-            <a:endParaRPr lang="fr-FR" dirty="0" smtClean="0"/>
+              <a:rPr lang="fr-FR" dirty="0"/>
+              <a:t>Ce sont des listes hétérogènes</a:t>
+            </a:r>
           </a:p>
         </p:txBody>
       </p:sp>
@@ -4025,10 +3979,9 @@
           <a:lstStyle/>
           <a:p>
             <a:r>
-              <a:rPr lang="fr-FR" dirty="0" smtClean="0"/>
+              <a:rPr lang="fr-FR" dirty="0"/>
               <a:t>Listes et statistiques</a:t>
             </a:r>
-            <a:endParaRPr lang="fr-FR" dirty="0"/>
           </a:p>
         </p:txBody>
       </p:sp>
@@ -4048,7 +4001,7 @@
           <a:lstStyle/>
           <a:p>
             <a:r>
-              <a:rPr lang="fr-FR" dirty="0" smtClean="0"/>
+              <a:rPr lang="fr-FR" dirty="0"/>
               <a:t>Rappelez vous le résultat d'une corrélation est</a:t>
             </a:r>
           </a:p>
@@ -4056,34 +4009,25 @@
             <a:endParaRPr lang="fr-FR" dirty="0"/>
           </a:p>
           <a:p>
-            <a:endParaRPr lang="fr-FR" dirty="0" smtClean="0"/>
-          </a:p>
-          <a:p>
             <a:endParaRPr lang="fr-FR" dirty="0"/>
           </a:p>
           <a:p>
-            <a:endParaRPr lang="fr-FR" dirty="0" smtClean="0"/>
-          </a:p>
-          <a:p>
             <a:endParaRPr lang="fr-FR" dirty="0"/>
           </a:p>
           <a:p>
-            <a:endParaRPr lang="fr-FR" sz="2000" dirty="0" smtClean="0"/>
-          </a:p>
-          <a:p>
-            <a:r>
-              <a:rPr lang="fr-FR" sz="2000" dirty="0" smtClean="0"/>
-              <a:t>Le </a:t>
-            </a:r>
+            <a:endParaRPr lang="fr-FR" dirty="0"/>
+          </a:p>
+          <a:p>
+            <a:endParaRPr lang="fr-FR" dirty="0"/>
+          </a:p>
+          <a:p>
+            <a:endParaRPr lang="fr-FR" sz="2000" dirty="0"/>
+          </a:p>
+          <a:p>
             <a:r>
               <a:rPr lang="fr-FR" sz="2000" dirty="0"/>
-              <a:t>retour de fonction affiché par R n'y parait pas mais il s'agit en fait d'une liste. La seule différence est que R fait appel de manière invisible à d'autres fonctions pour rendre le résultat plus facile à </a:t>
-            </a:r>
-            <a:r>
-              <a:rPr lang="fr-FR" sz="2000" dirty="0" smtClean="0"/>
-              <a:t>lire</a:t>
-            </a:r>
-            <a:endParaRPr lang="fr-FR" sz="2000" dirty="0"/>
+              <a:t>Le retour de fonction affiché par R n'y parait pas mais il s'agit en fait d'une liste. La seule différence est que R fait appel de manière invisible à d'autres fonctions pour rendre le résultat plus facile à lire</a:t>
+            </a:r>
           </a:p>
         </p:txBody>
       </p:sp>
@@ -4181,14 +4125,13 @@
           <a:lstStyle/>
           <a:p>
             <a:r>
-              <a:rPr lang="fr-FR" dirty="0" err="1" smtClean="0"/>
+              <a:rPr lang="fr-FR" dirty="0" err="1"/>
               <a:t>str</a:t>
             </a:r>
             <a:r>
-              <a:rPr lang="fr-FR" dirty="0" smtClean="0"/>
+              <a:rPr lang="fr-FR" dirty="0"/>
               <a:t>()</a:t>
             </a:r>
-            <a:endParaRPr lang="fr-FR" dirty="0"/>
           </a:p>
         </p:txBody>
       </p:sp>
@@ -4208,24 +4151,23 @@
           <a:lstStyle/>
           <a:p>
             <a:r>
-              <a:rPr lang="fr-FR" dirty="0" smtClean="0"/>
+              <a:rPr lang="fr-FR" dirty="0"/>
               <a:t>Implicitement lors de l'affichage d'une liste, une fonction de représentation est appelée</a:t>
             </a:r>
           </a:p>
           <a:p>
             <a:r>
-              <a:rPr lang="fr-FR" dirty="0" smtClean="0"/>
+              <a:rPr lang="fr-FR" dirty="0"/>
               <a:t>Il est possible de voir le contenu d'une liste avec </a:t>
             </a:r>
             <a:r>
-              <a:rPr lang="fr-FR" dirty="0" err="1" smtClean="0"/>
+              <a:rPr lang="fr-FR" dirty="0" err="1"/>
               <a:t>str</a:t>
             </a:r>
             <a:r>
-              <a:rPr lang="fr-FR" dirty="0" smtClean="0"/>
+              <a:rPr lang="fr-FR" dirty="0"/>
               <a:t>()</a:t>
             </a:r>
-            <a:endParaRPr lang="fr-FR" dirty="0"/>
           </a:p>
         </p:txBody>
       </p:sp>
@@ -4299,7 +4241,7 @@
           <a:lstStyle/>
           <a:p>
             <a:r>
-              <a:rPr lang="fr-FR" dirty="0" err="1" smtClean="0"/>
+              <a:rPr lang="fr-FR" dirty="0" err="1"/>
               <a:t>DataFrame</a:t>
             </a:r>
             <a:endParaRPr lang="fr-FR" dirty="0"/>
@@ -4322,66 +4264,66 @@
           <a:lstStyle/>
           <a:p>
             <a:r>
-              <a:rPr lang="fr-FR" dirty="0" smtClean="0"/>
+              <a:rPr lang="fr-FR" dirty="0"/>
               <a:t>Une </a:t>
             </a:r>
             <a:r>
-              <a:rPr lang="fr-FR" dirty="0" err="1" smtClean="0"/>
+              <a:rPr lang="fr-FR" dirty="0" err="1"/>
               <a:t>DataFrame</a:t>
             </a:r>
             <a:r>
-              <a:rPr lang="fr-FR" dirty="0" smtClean="0"/>
+              <a:rPr lang="fr-FR" dirty="0"/>
               <a:t> est une matrice </a:t>
             </a:r>
             <a:r>
-              <a:rPr lang="fr-FR" dirty="0" err="1" smtClean="0"/>
+              <a:rPr lang="fr-FR" dirty="0" err="1"/>
               <a:t>requêtable</a:t>
             </a:r>
-            <a:endParaRPr lang="fr-FR" dirty="0" smtClean="0"/>
-          </a:p>
-          <a:p>
-            <a:r>
-              <a:rPr lang="fr-FR" dirty="0" smtClean="0"/>
+            <a:endParaRPr lang="fr-FR" dirty="0"/>
+          </a:p>
+          <a:p>
+            <a:r>
+              <a:rPr lang="fr-FR" dirty="0"/>
               <a:t>Offre le comportement d'une table SQL</a:t>
             </a:r>
           </a:p>
           <a:p>
             <a:r>
-              <a:rPr lang="fr-FR" dirty="0" smtClean="0"/>
+              <a:rPr lang="fr-FR" dirty="0"/>
               <a:t>Compatible vecteur et matrice</a:t>
             </a:r>
           </a:p>
           <a:p>
             <a:r>
-              <a:rPr lang="fr-FR" dirty="0" smtClean="0"/>
+              <a:rPr lang="fr-FR" dirty="0"/>
               <a:t>Compatibles avec les sources de données externes de type CSV, Excel, SQL, </a:t>
             </a:r>
             <a:r>
-              <a:rPr lang="fr-FR" dirty="0" err="1" smtClean="0"/>
+              <a:rPr lang="fr-FR" dirty="0" err="1"/>
               <a:t>Big</a:t>
             </a:r>
             <a:r>
-              <a:rPr lang="fr-FR" dirty="0" smtClean="0"/>
+              <a:rPr lang="fr-FR" dirty="0"/>
               <a:t> Data, …</a:t>
             </a:r>
           </a:p>
           <a:p>
             <a:r>
-              <a:rPr lang="fr-FR" dirty="0" smtClean="0"/>
+              <a:rPr lang="fr-FR" dirty="0"/>
               <a:t>Les matrices sont surtout faites pour des numériques</a:t>
             </a:r>
           </a:p>
           <a:p>
             <a:r>
-              <a:rPr lang="fr-FR" dirty="0" smtClean="0"/>
+              <a:rPr lang="fr-FR" dirty="0"/>
               <a:t>Les </a:t>
             </a:r>
             <a:r>
-              <a:rPr lang="fr-FR" dirty="0" err="1" smtClean="0"/>
+              <a:rPr lang="fr-FR" dirty="0" err="1"/>
               <a:t>dataframes</a:t>
             </a:r>
             <a:r>
-              <a:rPr lang="fr-FR" dirty="0" smtClean="0"/>
+              <a:rPr lang="fr-FR" dirty="0"/>
               <a:t> sont faites</a:t>
             </a:r>
           </a:p>
@@ -4390,10 +4332,9 @@
               <a:buNone/>
             </a:pPr>
             <a:r>
-              <a:rPr lang="fr-FR" dirty="0" smtClean="0"/>
+              <a:rPr lang="fr-FR" dirty="0"/>
               <a:t>pour tout type de données</a:t>
             </a:r>
-            <a:endParaRPr lang="fr-FR" dirty="0"/>
           </a:p>
         </p:txBody>
       </p:sp>
@@ -4523,10 +4464,9 @@
           <a:lstStyle/>
           <a:p>
             <a:r>
-              <a:rPr lang="fr-FR" dirty="0" smtClean="0"/>
+              <a:rPr lang="fr-FR" dirty="0"/>
               <a:t>Création</a:t>
             </a:r>
-            <a:endParaRPr lang="fr-FR" dirty="0"/>
           </a:p>
         </p:txBody>
       </p:sp>
@@ -4546,15 +4486,15 @@
           <a:lstStyle/>
           <a:p>
             <a:r>
-              <a:rPr lang="fr-FR" dirty="0" smtClean="0"/>
+              <a:rPr lang="fr-FR" dirty="0"/>
               <a:t>Les </a:t>
             </a:r>
             <a:r>
-              <a:rPr lang="fr-FR" dirty="0" err="1" smtClean="0"/>
+              <a:rPr lang="fr-FR" dirty="0" err="1"/>
               <a:t>dataframes</a:t>
             </a:r>
             <a:r>
-              <a:rPr lang="fr-FR" dirty="0" smtClean="0"/>
+              <a:rPr lang="fr-FR" dirty="0"/>
               <a:t> peuvent être créées à partir de vecteur ou de matrice</a:t>
             </a:r>
           </a:p>
@@ -4562,23 +4502,23 @@
             <a:endParaRPr lang="fr-FR" dirty="0"/>
           </a:p>
           <a:p>
-            <a:endParaRPr lang="fr-FR" dirty="0" smtClean="0"/>
-          </a:p>
-          <a:p>
             <a:endParaRPr lang="fr-FR" dirty="0"/>
           </a:p>
           <a:p>
-            <a:endParaRPr lang="fr-FR" dirty="0" smtClean="0"/>
-          </a:p>
-          <a:p>
             <a:endParaRPr lang="fr-FR" dirty="0"/>
           </a:p>
           <a:p>
-            <a:endParaRPr lang="fr-FR" dirty="0" smtClean="0"/>
-          </a:p>
-          <a:p>
-            <a:r>
-              <a:rPr lang="fr-FR" dirty="0" smtClean="0"/>
+            <a:endParaRPr lang="fr-FR" dirty="0"/>
+          </a:p>
+          <a:p>
+            <a:endParaRPr lang="fr-FR" dirty="0"/>
+          </a:p>
+          <a:p>
+            <a:endParaRPr lang="fr-FR" dirty="0"/>
+          </a:p>
+          <a:p>
+            <a:r>
+              <a:rPr lang="fr-FR" dirty="0"/>
               <a:t>Mais elles sont généralement créées à partir d'une source de données</a:t>
             </a:r>
           </a:p>
@@ -4654,10 +4594,9 @@
           <a:lstStyle/>
           <a:p>
             <a:r>
-              <a:rPr lang="fr-FR" dirty="0" smtClean="0"/>
+              <a:rPr lang="fr-FR" dirty="0"/>
               <a:t>Indexation</a:t>
             </a:r>
-            <a:endParaRPr lang="fr-FR" dirty="0"/>
           </a:p>
         </p:txBody>
       </p:sp>
@@ -4677,16 +4616,15 @@
           <a:lstStyle/>
           <a:p>
             <a:r>
-              <a:rPr lang="fr-FR" dirty="0" smtClean="0"/>
-              <a:t>L'indexation est identique aux matrice</a:t>
-            </a:r>
-          </a:p>
-          <a:p>
-            <a:r>
-              <a:rPr lang="fr-FR" dirty="0" smtClean="0"/>
+              <a:rPr lang="fr-FR" dirty="0"/>
+              <a:t>L'indexation est identique aux matrices</a:t>
+            </a:r>
+          </a:p>
+          <a:p>
+            <a:r>
+              <a:rPr lang="fr-FR" dirty="0"/>
               <a:t>Mais il est possible d'indexer les lignes par leur clé </a:t>
             </a:r>
-            <a:endParaRPr lang="fr-FR" dirty="0"/>
           </a:p>
         </p:txBody>
       </p:sp>
@@ -4760,10 +4698,9 @@
           <a:lstStyle/>
           <a:p>
             <a:r>
-              <a:rPr lang="fr-FR" dirty="0" smtClean="0"/>
+              <a:rPr lang="fr-FR" dirty="0"/>
               <a:t>$</a:t>
             </a:r>
-            <a:endParaRPr lang="fr-FR" dirty="0"/>
           </a:p>
         </p:txBody>
       </p:sp>
@@ -4783,17 +4720,16 @@
           <a:lstStyle/>
           <a:p>
             <a:r>
-              <a:rPr lang="fr-FR" dirty="0" smtClean="0"/>
+              <a:rPr lang="fr-FR" dirty="0"/>
               <a:t>Il existe un autre moyen d'accéder aux données par la commande $</a:t>
             </a:r>
           </a:p>
           <a:p>
             <a:pPr lvl="1"/>
             <a:r>
-              <a:rPr lang="fr-FR" dirty="0" smtClean="0"/>
+              <a:rPr lang="fr-FR" dirty="0"/>
               <a:t>+ simple</a:t>
             </a:r>
-            <a:endParaRPr lang="fr-FR" dirty="0"/>
           </a:p>
         </p:txBody>
       </p:sp>
@@ -4867,10 +4803,9 @@
           <a:lstStyle/>
           <a:p>
             <a:r>
-              <a:rPr lang="fr-FR" dirty="0" smtClean="0"/>
+              <a:rPr lang="fr-FR" dirty="0"/>
               <a:t>Gestion des dimensions</a:t>
             </a:r>
-            <a:endParaRPr lang="fr-FR" dirty="0"/>
           </a:p>
         </p:txBody>
       </p:sp>
@@ -4890,83 +4825,83 @@
           <a:lstStyle/>
           <a:p>
             <a:r>
-              <a:rPr lang="fr-FR" dirty="0" smtClean="0"/>
+              <a:rPr lang="fr-FR" dirty="0"/>
               <a:t>Pour connaitre la dimension d'un </a:t>
             </a:r>
             <a:r>
-              <a:rPr lang="fr-FR" dirty="0" err="1" smtClean="0"/>
+              <a:rPr lang="fr-FR" dirty="0" err="1"/>
               <a:t>dataframe</a:t>
             </a:r>
-            <a:endParaRPr lang="fr-FR" dirty="0" smtClean="0"/>
+            <a:endParaRPr lang="fr-FR" dirty="0"/>
           </a:p>
           <a:p>
             <a:pPr lvl="1"/>
             <a:r>
-              <a:rPr lang="fr-FR" dirty="0" err="1" smtClean="0"/>
+              <a:rPr lang="fr-FR" dirty="0" err="1"/>
               <a:t>dim</a:t>
             </a:r>
             <a:r>
-              <a:rPr lang="fr-FR" dirty="0" smtClean="0"/>
+              <a:rPr lang="fr-FR" dirty="0"/>
               <a:t>()</a:t>
             </a:r>
           </a:p>
           <a:p>
             <a:r>
-              <a:rPr lang="fr-FR" dirty="0" smtClean="0"/>
+              <a:rPr lang="fr-FR" dirty="0"/>
               <a:t>Pour transformer un </a:t>
             </a:r>
             <a:r>
-              <a:rPr lang="fr-FR" dirty="0" err="1" smtClean="0"/>
+              <a:rPr lang="fr-FR" dirty="0" err="1"/>
               <a:t>dataframe</a:t>
             </a:r>
             <a:r>
-              <a:rPr lang="fr-FR" dirty="0" smtClean="0"/>
+              <a:rPr lang="fr-FR" dirty="0"/>
               <a:t> en vecteur</a:t>
             </a:r>
           </a:p>
           <a:p>
             <a:pPr lvl="1"/>
             <a:r>
-              <a:rPr lang="fr-FR" dirty="0" err="1" smtClean="0"/>
+              <a:rPr lang="fr-FR" dirty="0" err="1"/>
               <a:t>as.vector</a:t>
             </a:r>
             <a:r>
-              <a:rPr lang="fr-FR" dirty="0" smtClean="0"/>
+              <a:rPr lang="fr-FR" dirty="0"/>
               <a:t>()</a:t>
             </a:r>
           </a:p>
           <a:p>
             <a:r>
-              <a:rPr lang="fr-FR" dirty="0" smtClean="0"/>
+              <a:rPr lang="fr-FR" dirty="0"/>
               <a:t>Pour transformer un </a:t>
             </a:r>
             <a:r>
-              <a:rPr lang="fr-FR" dirty="0" err="1" smtClean="0"/>
+              <a:rPr lang="fr-FR" dirty="0" err="1"/>
               <a:t>dataframe</a:t>
             </a:r>
             <a:r>
-              <a:rPr lang="fr-FR" dirty="0" smtClean="0"/>
+              <a:rPr lang="fr-FR" dirty="0"/>
               <a:t> en matrice</a:t>
             </a:r>
           </a:p>
           <a:p>
             <a:pPr lvl="1"/>
             <a:r>
-              <a:rPr lang="fr-FR" dirty="0" err="1" smtClean="0"/>
+              <a:rPr lang="fr-FR" dirty="0" err="1"/>
               <a:t>as.matrix</a:t>
             </a:r>
             <a:r>
-              <a:rPr lang="fr-FR" dirty="0" smtClean="0"/>
+              <a:rPr lang="fr-FR" dirty="0"/>
               <a:t>()</a:t>
             </a:r>
           </a:p>
           <a:p>
             <a:r>
-              <a:rPr lang="fr-FR" dirty="0" smtClean="0"/>
+              <a:rPr lang="fr-FR" dirty="0"/>
               <a:t>Les chapitres précédent sont compatibles </a:t>
             </a:r>
             <a:r>
-              <a:rPr lang="fr-FR" dirty="0" err="1" smtClean="0"/>
+              <a:rPr lang="fr-FR" dirty="0" err="1"/>
               <a:t>DataFrame</a:t>
             </a:r>
             <a:endParaRPr lang="fr-FR" dirty="0"/>
@@ -5043,10 +4978,9 @@
           <a:lstStyle/>
           <a:p>
             <a:r>
-              <a:rPr lang="fr-FR" dirty="0" smtClean="0"/>
+              <a:rPr lang="fr-FR" dirty="0"/>
               <a:t>Régression</a:t>
             </a:r>
-            <a:endParaRPr lang="fr-FR" dirty="0"/>
           </a:p>
         </p:txBody>
       </p:sp>
@@ -5066,7 +5000,7 @@
           <a:lstStyle/>
           <a:p>
             <a:r>
-              <a:rPr lang="fr-FR" dirty="0" smtClean="0"/>
+              <a:rPr lang="fr-FR" dirty="0"/>
               <a:t>La syntaxe de la régression change un peu</a:t>
             </a:r>
           </a:p>
@@ -5074,37 +5008,29 @@
             <a:pPr lvl="1"/>
             <a:r>
               <a:rPr lang="fr-FR" dirty="0"/>
-              <a:t>model = lm(loyer ~ surface, data=house</a:t>
-            </a:r>
-            <a:r>
-              <a:rPr lang="fr-FR" dirty="0" smtClean="0"/>
-              <a:t>)</a:t>
+              <a:t>model = lm(loyer ~ surface, data=house)</a:t>
             </a:r>
           </a:p>
           <a:p>
             <a:pPr lvl="1"/>
             <a:r>
-              <a:rPr lang="fr-FR" dirty="0" smtClean="0"/>
+              <a:rPr lang="fr-FR" dirty="0"/>
               <a:t>Et non lm(</a:t>
             </a:r>
             <a:r>
-              <a:rPr lang="fr-FR" dirty="0" err="1" smtClean="0"/>
+              <a:rPr lang="fr-FR" dirty="0" err="1"/>
               <a:t>house$loyer</a:t>
             </a:r>
             <a:r>
-              <a:rPr lang="fr-FR" dirty="0" smtClean="0"/>
-              <a:t> </a:t>
-            </a:r>
-            <a:r>
               <a:rPr lang="fr-FR" dirty="0"/>
-              <a:t>~ </a:t>
-            </a:r>
-            <a:r>
-              <a:rPr lang="fr-FR" dirty="0" err="1" smtClean="0"/>
+              <a:t> ~ </a:t>
+            </a:r>
+            <a:r>
+              <a:rPr lang="fr-FR" dirty="0" err="1"/>
               <a:t>house$surface</a:t>
             </a:r>
             <a:r>
-              <a:rPr lang="fr-FR" smtClean="0"/>
+              <a:rPr lang="fr-FR"/>
               <a:t>)</a:t>
             </a:r>
             <a:endParaRPr lang="fr-FR" dirty="0"/>
@@ -5157,10 +5083,9 @@
           <a:lstStyle/>
           <a:p>
             <a:r>
-              <a:rPr lang="fr-FR" dirty="0" smtClean="0"/>
+              <a:rPr lang="fr-FR" dirty="0"/>
               <a:t>Autres types</a:t>
             </a:r>
-            <a:endParaRPr lang="fr-FR" dirty="0"/>
           </a:p>
         </p:txBody>
       </p:sp>
@@ -5180,21 +5105,21 @@
           <a:lstStyle/>
           <a:p>
             <a:r>
-              <a:rPr lang="fr-FR" dirty="0" smtClean="0"/>
+              <a:rPr lang="fr-FR" dirty="0"/>
               <a:t>D'autres types complexes existent en R</a:t>
             </a:r>
           </a:p>
           <a:p>
             <a:pPr lvl="1"/>
             <a:r>
-              <a:rPr lang="fr-FR" dirty="0" smtClean="0"/>
+              <a:rPr lang="fr-FR" dirty="0"/>
               <a:t>List</a:t>
             </a:r>
           </a:p>
           <a:p>
             <a:pPr lvl="1"/>
             <a:r>
-              <a:rPr lang="fr-FR" dirty="0" smtClean="0"/>
+              <a:rPr lang="fr-FR" dirty="0"/>
               <a:t>Factor</a:t>
             </a:r>
           </a:p>
@@ -5250,10 +5175,9 @@
           <a:lstStyle/>
           <a:p>
             <a:r>
-              <a:rPr lang="fr-FR" dirty="0" smtClean="0"/>
+              <a:rPr lang="fr-FR" dirty="0"/>
               <a:t>Factor</a:t>
             </a:r>
-            <a:endParaRPr lang="fr-FR" dirty="0"/>
           </a:p>
         </p:txBody>
       </p:sp>
@@ -5273,11 +5197,11 @@
           <a:lstStyle/>
           <a:p>
             <a:r>
-              <a:rPr lang="fr-FR" dirty="0" smtClean="0"/>
+              <a:rPr lang="fr-FR" dirty="0"/>
               <a:t>Ancien format avant les </a:t>
             </a:r>
             <a:r>
-              <a:rPr lang="fr-FR" dirty="0" err="1" smtClean="0"/>
+              <a:rPr lang="fr-FR" dirty="0" err="1"/>
               <a:t>DataFrames</a:t>
             </a:r>
             <a:endParaRPr lang="fr-FR" dirty="0"/>

--- a/ppt/R-10-Dataframe.pptx
+++ b/ppt/R-10-Dataframe.pptx
@@ -4898,7 +4898,15 @@
           <a:p>
             <a:r>
               <a:rPr lang="fr-FR" dirty="0"/>
-              <a:t>Les chapitres précédent sont compatibles </a:t>
+              <a:t>Les </a:t>
+            </a:r>
+            <a:r>
+              <a:rPr lang="fr-FR"/>
+              <a:t>chapitres précédents </a:t>
+            </a:r>
+            <a:r>
+              <a:rPr lang="fr-FR" dirty="0"/>
+              <a:t>sont compatibles </a:t>
             </a:r>
             <a:r>
               <a:rPr lang="fr-FR" dirty="0" err="1"/>
